--- a/Documents/03_DevelopersGuide/01_Basic_RTC_Programming/04_Configuration/Configuration_basic.pptx
+++ b/Documents/03_DevelopersGuide/01_Basic_RTC_Programming/04_Configuration/Configuration_basic.pptx
@@ -199,7 +199,7 @@
             <a:fld id="{C9BC0A1E-C774-4F1B-AD79-9D30AF76DB87}" type="datetimeFigureOut">
               <a:rPr kumimoji="1" lang="ja-JP" altLang="en-US" smtClean="0"/>
               <a:pPr/>
-              <a:t>2011/1/25</a:t>
+              <a:t>2011/2/3</a:t>
             </a:fld>
             <a:endParaRPr kumimoji="1" lang="ja-JP" altLang="en-US"/>
           </a:p>
@@ -1169,7 +1169,7 @@
             <a:fld id="{E90ED720-0104-4369-84BC-D37694168613}" type="datetimeFigureOut">
               <a:rPr kumimoji="1" lang="ja-JP" altLang="en-US" smtClean="0"/>
               <a:pPr/>
-              <a:t>2011/1/25</a:t>
+              <a:t>2011/2/3</a:t>
             </a:fld>
             <a:endParaRPr kumimoji="1" lang="ja-JP" altLang="en-US"/>
           </a:p>
@@ -1368,7 +1368,7 @@
             <a:fld id="{E90ED720-0104-4369-84BC-D37694168613}" type="datetimeFigureOut">
               <a:rPr kumimoji="1" lang="ja-JP" altLang="en-US" smtClean="0"/>
               <a:pPr/>
-              <a:t>2011/1/25</a:t>
+              <a:t>2011/2/3</a:t>
             </a:fld>
             <a:endParaRPr kumimoji="1" lang="ja-JP" altLang="en-US"/>
           </a:p>
@@ -1577,7 +1577,7 @@
             <a:fld id="{E90ED720-0104-4369-84BC-D37694168613}" type="datetimeFigureOut">
               <a:rPr kumimoji="1" lang="ja-JP" altLang="en-US" smtClean="0"/>
               <a:pPr/>
-              <a:t>2011/1/25</a:t>
+              <a:t>2011/2/3</a:t>
             </a:fld>
             <a:endParaRPr kumimoji="1" lang="ja-JP" altLang="en-US"/>
           </a:p>
@@ -1776,7 +1776,7 @@
             <a:fld id="{E90ED720-0104-4369-84BC-D37694168613}" type="datetimeFigureOut">
               <a:rPr kumimoji="1" lang="ja-JP" altLang="en-US" smtClean="0"/>
               <a:pPr/>
-              <a:t>2011/1/25</a:t>
+              <a:t>2011/2/3</a:t>
             </a:fld>
             <a:endParaRPr kumimoji="1" lang="ja-JP" altLang="en-US"/>
           </a:p>
@@ -2019,7 +2019,7 @@
             <a:fld id="{E90ED720-0104-4369-84BC-D37694168613}" type="datetimeFigureOut">
               <a:rPr kumimoji="1" lang="ja-JP" altLang="en-US" smtClean="0"/>
               <a:pPr/>
-              <a:t>2011/1/25</a:t>
+              <a:t>2011/2/3</a:t>
             </a:fld>
             <a:endParaRPr kumimoji="1" lang="ja-JP" altLang="en-US"/>
           </a:p>
@@ -2368,7 +2368,7 @@
             <a:fld id="{E90ED720-0104-4369-84BC-D37694168613}" type="datetimeFigureOut">
               <a:rPr kumimoji="1" lang="ja-JP" altLang="en-US" smtClean="0"/>
               <a:pPr/>
-              <a:t>2011/1/25</a:t>
+              <a:t>2011/2/3</a:t>
             </a:fld>
             <a:endParaRPr kumimoji="1" lang="ja-JP" altLang="en-US"/>
           </a:p>
@@ -2851,7 +2851,7 @@
             <a:fld id="{E90ED720-0104-4369-84BC-D37694168613}" type="datetimeFigureOut">
               <a:rPr kumimoji="1" lang="ja-JP" altLang="en-US" smtClean="0"/>
               <a:pPr/>
-              <a:t>2011/1/25</a:t>
+              <a:t>2011/2/3</a:t>
             </a:fld>
             <a:endParaRPr kumimoji="1" lang="ja-JP" altLang="en-US"/>
           </a:p>
@@ -2966,7 +2966,7 @@
             <a:fld id="{E90ED720-0104-4369-84BC-D37694168613}" type="datetimeFigureOut">
               <a:rPr kumimoji="1" lang="ja-JP" altLang="en-US" smtClean="0"/>
               <a:pPr/>
-              <a:t>2011/1/25</a:t>
+              <a:t>2011/2/3</a:t>
             </a:fld>
             <a:endParaRPr kumimoji="1" lang="ja-JP" altLang="en-US"/>
           </a:p>
@@ -3058,7 +3058,7 @@
             <a:fld id="{E90ED720-0104-4369-84BC-D37694168613}" type="datetimeFigureOut">
               <a:rPr kumimoji="1" lang="ja-JP" altLang="en-US" smtClean="0"/>
               <a:pPr/>
-              <a:t>2011/1/25</a:t>
+              <a:t>2011/2/3</a:t>
             </a:fld>
             <a:endParaRPr kumimoji="1" lang="ja-JP" altLang="en-US"/>
           </a:p>
@@ -3364,7 +3364,7 @@
             <a:fld id="{E90ED720-0104-4369-84BC-D37694168613}" type="datetimeFigureOut">
               <a:rPr kumimoji="1" lang="ja-JP" altLang="en-US" smtClean="0"/>
               <a:pPr/>
-              <a:t>2011/1/25</a:t>
+              <a:t>2011/2/3</a:t>
             </a:fld>
             <a:endParaRPr kumimoji="1" lang="ja-JP" altLang="en-US"/>
           </a:p>
@@ -3614,7 +3614,7 @@
             <a:fld id="{E90ED720-0104-4369-84BC-D37694168613}" type="datetimeFigureOut">
               <a:rPr kumimoji="1" lang="ja-JP" altLang="en-US" smtClean="0"/>
               <a:pPr/>
-              <a:t>2011/1/25</a:t>
+              <a:t>2011/2/3</a:t>
             </a:fld>
             <a:endParaRPr kumimoji="1" lang="ja-JP" altLang="en-US"/>
           </a:p>
@@ -3856,7 +3856,7 @@
             <a:fld id="{E90ED720-0104-4369-84BC-D37694168613}" type="datetimeFigureOut">
               <a:rPr kumimoji="1" lang="ja-JP" altLang="en-US" smtClean="0"/>
               <a:pPr/>
-              <a:t>2011/1/25</a:t>
+              <a:t>2011/2/3</a:t>
             </a:fld>
             <a:endParaRPr kumimoji="1" lang="ja-JP" altLang="en-US"/>
           </a:p>
@@ -16820,7 +16820,7 @@
           <p:spPr bwMode="auto">
             <a:xfrm>
               <a:off x="3758" y="2289"/>
-              <a:ext cx="1500" cy="213"/>
+              <a:ext cx="1129" cy="213"/>
             </a:xfrm>
             <a:prstGeom prst="rect">
               <a:avLst/>
@@ -16841,7 +16841,11 @@
             <a:p>
               <a:r>
                 <a:rPr lang="en-US" altLang="ja-JP" sz="1600" dirty="0" smtClean="0"/>
-                <a:t>PID Controller Component</a:t>
+                <a:t>PID </a:t>
+              </a:r>
+              <a:r>
+                <a:rPr lang="ko-KR" altLang="en-US" sz="1600" dirty="0" smtClean="0"/>
+                <a:t>제어 컴포넌트</a:t>
               </a:r>
               <a:endParaRPr lang="ja-JP" altLang="en-US" sz="1600" dirty="0"/>
             </a:p>
@@ -17289,8 +17293,8 @@
           </p:nvSpPr>
           <p:spPr bwMode="auto">
             <a:xfrm>
-              <a:off x="3682" y="1489"/>
-              <a:ext cx="348" cy="155"/>
+              <a:off x="3677" y="1489"/>
+              <a:ext cx="359" cy="155"/>
             </a:xfrm>
             <a:prstGeom prst="rect">
               <a:avLst/>
@@ -17311,8 +17315,8 @@
             <a:p>
               <a:pPr algn="ctr"/>
               <a:r>
-                <a:rPr lang="en-US" altLang="ja-JP" sz="1000" dirty="0" smtClean="0"/>
-                <a:t>Limiter</a:t>
+                <a:rPr lang="ko-KR" altLang="en-US" sz="1000" dirty="0" smtClean="0"/>
+                <a:t>리미터</a:t>
               </a:r>
               <a:endParaRPr lang="ja-JP" altLang="en-US" sz="1000" dirty="0"/>
             </a:p>
@@ -17402,10 +17406,10 @@
         </p:nvGrpSpPr>
         <p:grpSpPr bwMode="auto">
           <a:xfrm>
-            <a:off x="4932040" y="2708920"/>
-            <a:ext cx="3625850" cy="431800"/>
+            <a:off x="4932040" y="2708925"/>
+            <a:ext cx="3625850" cy="414338"/>
             <a:chOff x="3188" y="2702"/>
-            <a:chExt cx="2284" cy="272"/>
+            <a:chExt cx="2284" cy="261"/>
           </a:xfrm>
         </p:grpSpPr>
         <p:sp>
@@ -17944,8 +17948,8 @@
           </p:nvSpPr>
           <p:spPr bwMode="auto">
             <a:xfrm>
-              <a:off x="3632" y="2702"/>
-              <a:ext cx="292" cy="145"/>
+              <a:off x="3648" y="2702"/>
+              <a:ext cx="262" cy="145"/>
             </a:xfrm>
             <a:prstGeom prst="rect">
               <a:avLst/>
@@ -17965,12 +17969,12 @@
             <a:lstStyle/>
             <a:p>
               <a:r>
-                <a:rPr lang="en-US" altLang="ja-JP" sz="900" dirty="0" smtClean="0">
+                <a:rPr lang="ko-KR" altLang="en-US" sz="900" dirty="0" smtClean="0">
                   <a:solidFill>
                     <a:schemeClr val="bg1"/>
                   </a:solidFill>
                 </a:rPr>
-                <a:t>Name</a:t>
+                <a:t>이름</a:t>
               </a:r>
               <a:endParaRPr lang="ja-JP" altLang="en-US" sz="900" dirty="0">
                 <a:solidFill>
@@ -17990,8 +17994,8 @@
           </p:nvSpPr>
           <p:spPr bwMode="auto">
             <a:xfrm>
-              <a:off x="3630" y="2829"/>
-              <a:ext cx="284" cy="145"/>
+              <a:off x="3682" y="2818"/>
+              <a:ext cx="189" cy="145"/>
             </a:xfrm>
             <a:prstGeom prst="rect">
               <a:avLst/>
@@ -18011,12 +18015,12 @@
             <a:lstStyle/>
             <a:p>
               <a:r>
-                <a:rPr lang="en-US" altLang="ja-JP" sz="900" dirty="0" smtClean="0">
+                <a:rPr lang="ko-KR" altLang="en-US" sz="900" dirty="0" smtClean="0">
                   <a:solidFill>
                     <a:schemeClr val="bg1"/>
                   </a:solidFill>
                 </a:rPr>
-                <a:t>Value</a:t>
+                <a:t>값</a:t>
               </a:r>
               <a:endParaRPr lang="ja-JP" altLang="en-US" sz="900" dirty="0">
                 <a:solidFill>
@@ -18123,10 +18127,10 @@
         </p:nvGrpSpPr>
         <p:grpSpPr bwMode="auto">
           <a:xfrm>
-            <a:off x="4936802" y="3245506"/>
-            <a:ext cx="3625850" cy="434976"/>
+            <a:off x="4936802" y="3245501"/>
+            <a:ext cx="3625850" cy="427038"/>
             <a:chOff x="3191" y="3040"/>
-            <a:chExt cx="2284" cy="274"/>
+            <a:chExt cx="2284" cy="269"/>
           </a:xfrm>
         </p:grpSpPr>
         <p:sp>
@@ -18665,8 +18669,8 @@
           </p:nvSpPr>
           <p:spPr bwMode="auto">
             <a:xfrm>
-              <a:off x="3635" y="3040"/>
-              <a:ext cx="292" cy="145"/>
+              <a:off x="3651" y="3040"/>
+              <a:ext cx="262" cy="145"/>
             </a:xfrm>
             <a:prstGeom prst="rect">
               <a:avLst/>
@@ -18686,12 +18690,20 @@
             <a:lstStyle/>
             <a:p>
               <a:r>
-                <a:rPr lang="en-US" altLang="ja-JP" sz="900" dirty="0" smtClean="0">
+                <a:rPr lang="ko-KR" altLang="en-US" sz="900" dirty="0" smtClean="0">
                   <a:solidFill>
                     <a:schemeClr val="bg1"/>
                   </a:solidFill>
                 </a:rPr>
-                <a:t>Name</a:t>
+                <a:t>이</a:t>
+              </a:r>
+              <a:r>
+                <a:rPr lang="ko-KR" altLang="en-US" sz="900" dirty="0" smtClean="0">
+                  <a:solidFill>
+                    <a:schemeClr val="bg1"/>
+                  </a:solidFill>
+                </a:rPr>
+                <a:t>름</a:t>
               </a:r>
               <a:endParaRPr lang="ja-JP" altLang="en-US" sz="900" dirty="0">
                 <a:solidFill>
@@ -18711,8 +18723,8 @@
           </p:nvSpPr>
           <p:spPr bwMode="auto">
             <a:xfrm>
-              <a:off x="3630" y="3169"/>
-              <a:ext cx="284" cy="145"/>
+              <a:off x="3679" y="3164"/>
+              <a:ext cx="189" cy="145"/>
             </a:xfrm>
             <a:prstGeom prst="rect">
               <a:avLst/>
@@ -18732,12 +18744,12 @@
             <a:lstStyle/>
             <a:p>
               <a:r>
-                <a:rPr lang="en-US" altLang="ja-JP" sz="900" dirty="0" smtClean="0">
+                <a:rPr lang="ko-KR" altLang="en-US" sz="900" dirty="0" smtClean="0">
                   <a:solidFill>
                     <a:schemeClr val="bg1"/>
                   </a:solidFill>
                 </a:rPr>
-                <a:t>Value</a:t>
+                <a:t>값</a:t>
               </a:r>
               <a:endParaRPr lang="ja-JP" altLang="en-US" sz="900" dirty="0">
                 <a:solidFill>
@@ -18844,10 +18856,10 @@
         </p:nvGrpSpPr>
         <p:grpSpPr bwMode="auto">
           <a:xfrm>
-            <a:off x="4939977" y="3783663"/>
-            <a:ext cx="3625850" cy="436563"/>
+            <a:off x="4939977" y="3783657"/>
+            <a:ext cx="3625850" cy="419100"/>
             <a:chOff x="3193" y="3345"/>
-            <a:chExt cx="2284" cy="275"/>
+            <a:chExt cx="2284" cy="264"/>
           </a:xfrm>
         </p:grpSpPr>
         <p:sp>
@@ -19386,8 +19398,8 @@
           </p:nvSpPr>
           <p:spPr bwMode="auto">
             <a:xfrm>
-              <a:off x="3637" y="3345"/>
-              <a:ext cx="292" cy="145"/>
+              <a:off x="3653" y="3345"/>
+              <a:ext cx="262" cy="145"/>
             </a:xfrm>
             <a:prstGeom prst="rect">
               <a:avLst/>
@@ -19407,12 +19419,12 @@
             <a:lstStyle/>
             <a:p>
               <a:r>
-                <a:rPr lang="en-US" altLang="ja-JP" sz="900" dirty="0" smtClean="0">
+                <a:rPr lang="ko-KR" altLang="en-US" sz="900" dirty="0" smtClean="0">
                   <a:solidFill>
                     <a:schemeClr val="bg1"/>
                   </a:solidFill>
                 </a:rPr>
-                <a:t>Name</a:t>
+                <a:t>이름</a:t>
               </a:r>
               <a:endParaRPr lang="ja-JP" altLang="en-US" sz="900" dirty="0">
                 <a:solidFill>
@@ -19432,8 +19444,8 @@
           </p:nvSpPr>
           <p:spPr bwMode="auto">
             <a:xfrm>
-              <a:off x="3642" y="3475"/>
-              <a:ext cx="284" cy="145"/>
+              <a:off x="3680" y="3464"/>
+              <a:ext cx="189" cy="145"/>
             </a:xfrm>
             <a:prstGeom prst="rect">
               <a:avLst/>
@@ -19453,12 +19465,12 @@
             <a:lstStyle/>
             <a:p>
               <a:r>
-                <a:rPr lang="en-US" altLang="ja-JP" sz="900" dirty="0" smtClean="0">
+                <a:rPr lang="ko-KR" altLang="en-US" sz="900" dirty="0" smtClean="0">
                   <a:solidFill>
                     <a:schemeClr val="bg1"/>
                   </a:solidFill>
                 </a:rPr>
-                <a:t>Value</a:t>
+                <a:t>값</a:t>
               </a:r>
               <a:endParaRPr lang="ja-JP" altLang="en-US" sz="900" dirty="0">
                 <a:solidFill>
@@ -24313,9 +24325,9 @@
         <p:grpSpPr>
           <a:xfrm>
             <a:off x="4942570" y="1268667"/>
-            <a:ext cx="1645654" cy="1224229"/>
+            <a:ext cx="1645654" cy="1216535"/>
             <a:chOff x="4355976" y="2060849"/>
-            <a:chExt cx="1213606" cy="902822"/>
+            <a:chExt cx="1213606" cy="897148"/>
           </a:xfrm>
         </p:grpSpPr>
         <p:grpSp>
@@ -24327,9 +24339,9 @@
           <p:grpSpPr>
             <a:xfrm>
               <a:off x="4355976" y="2060849"/>
-              <a:ext cx="1213606" cy="315442"/>
+              <a:ext cx="1213606" cy="309768"/>
               <a:chOff x="4932040" y="2807067"/>
-              <a:chExt cx="1213606" cy="315442"/>
+              <a:chExt cx="1213606" cy="309768"/>
             </a:xfrm>
           </p:grpSpPr>
           <p:sp>
@@ -24514,7 +24526,7 @@
             <p:spPr bwMode="auto">
               <a:xfrm>
                 <a:off x="5463966" y="2807067"/>
-                <a:ext cx="334785" cy="187253"/>
+                <a:ext cx="325328" cy="181579"/>
               </a:xfrm>
               <a:prstGeom prst="rect">
                 <a:avLst/>
@@ -24534,12 +24546,12 @@
               <a:lstStyle/>
               <a:p>
                 <a:r>
-                  <a:rPr lang="ja-JP" altLang="en-US" sz="1000" dirty="0" smtClean="0">
+                  <a:rPr lang="ko-KR" altLang="en-US" sz="1000" dirty="0" smtClean="0">
                     <a:solidFill>
                       <a:schemeClr val="bg1"/>
                     </a:solidFill>
                   </a:rPr>
-                  <a:t>名前</a:t>
+                  <a:t>이름</a:t>
                 </a:r>
                 <a:endParaRPr lang="ja-JP" altLang="en-US" sz="1000" dirty="0">
                   <a:solidFill>
@@ -24560,7 +24572,7 @@
             <p:spPr bwMode="auto">
               <a:xfrm>
                 <a:off x="5513085" y="2935256"/>
-                <a:ext cx="235485" cy="187253"/>
+                <a:ext cx="230756" cy="181579"/>
               </a:xfrm>
               <a:prstGeom prst="rect">
                 <a:avLst/>
@@ -24580,12 +24592,12 @@
               <a:lstStyle/>
               <a:p>
                 <a:r>
-                  <a:rPr lang="ja-JP" altLang="en-US" sz="1000" dirty="0" smtClean="0">
+                  <a:rPr lang="ko-KR" altLang="en-US" sz="1000" dirty="0" smtClean="0">
                     <a:solidFill>
                       <a:schemeClr val="bg1"/>
                     </a:solidFill>
                   </a:rPr>
-                  <a:t>値</a:t>
+                  <a:t>값</a:t>
                 </a:r>
                 <a:endParaRPr lang="ja-JP" altLang="en-US" sz="1000" dirty="0">
                   <a:solidFill>
@@ -24691,9 +24703,9 @@
           <p:grpSpPr>
             <a:xfrm>
               <a:off x="4355976" y="2354539"/>
-              <a:ext cx="1213606" cy="315442"/>
+              <a:ext cx="1213606" cy="309768"/>
               <a:chOff x="4932040" y="2807067"/>
-              <a:chExt cx="1213606" cy="315442"/>
+              <a:chExt cx="1213606" cy="309768"/>
             </a:xfrm>
           </p:grpSpPr>
           <p:sp>
@@ -24878,7 +24890,7 @@
             <p:spPr bwMode="auto">
               <a:xfrm>
                 <a:off x="5463966" y="2807067"/>
-                <a:ext cx="334785" cy="187253"/>
+                <a:ext cx="325328" cy="181579"/>
               </a:xfrm>
               <a:prstGeom prst="rect">
                 <a:avLst/>
@@ -24898,12 +24910,12 @@
               <a:lstStyle/>
               <a:p>
                 <a:r>
-                  <a:rPr lang="ja-JP" altLang="en-US" sz="1000" dirty="0" smtClean="0">
+                  <a:rPr lang="ko-KR" altLang="en-US" sz="1000" dirty="0" smtClean="0">
                     <a:solidFill>
                       <a:schemeClr val="bg1"/>
                     </a:solidFill>
                   </a:rPr>
-                  <a:t>名前</a:t>
+                  <a:t>이름</a:t>
                 </a:r>
                 <a:endParaRPr lang="ja-JP" altLang="en-US" sz="1000" dirty="0">
                   <a:solidFill>
@@ -24924,7 +24936,7 @@
             <p:spPr bwMode="auto">
               <a:xfrm>
                 <a:off x="5513085" y="2935256"/>
-                <a:ext cx="235485" cy="187253"/>
+                <a:ext cx="230756" cy="181579"/>
               </a:xfrm>
               <a:prstGeom prst="rect">
                 <a:avLst/>
@@ -24944,12 +24956,12 @@
               <a:lstStyle/>
               <a:p>
                 <a:r>
-                  <a:rPr lang="ja-JP" altLang="en-US" sz="1000" dirty="0" smtClean="0">
+                  <a:rPr lang="ko-KR" altLang="en-US" sz="1000" dirty="0" smtClean="0">
                     <a:solidFill>
                       <a:schemeClr val="bg1"/>
                     </a:solidFill>
                   </a:rPr>
-                  <a:t>値</a:t>
+                  <a:t>값</a:t>
                 </a:r>
                 <a:endParaRPr lang="ja-JP" altLang="en-US" sz="1000" dirty="0">
                   <a:solidFill>
@@ -25055,9 +25067,9 @@
           <p:grpSpPr>
             <a:xfrm>
               <a:off x="4355976" y="2648229"/>
-              <a:ext cx="1213606" cy="315442"/>
+              <a:ext cx="1213606" cy="309768"/>
               <a:chOff x="4932040" y="2807067"/>
-              <a:chExt cx="1213606" cy="315442"/>
+              <a:chExt cx="1213606" cy="309768"/>
             </a:xfrm>
           </p:grpSpPr>
           <p:sp>
@@ -25237,7 +25249,7 @@
             <p:spPr bwMode="auto">
               <a:xfrm>
                 <a:off x="5463966" y="2807067"/>
-                <a:ext cx="334785" cy="187253"/>
+                <a:ext cx="325328" cy="181579"/>
               </a:xfrm>
               <a:prstGeom prst="rect">
                 <a:avLst/>
@@ -25257,12 +25269,12 @@
               <a:lstStyle/>
               <a:p>
                 <a:r>
-                  <a:rPr lang="ja-JP" altLang="en-US" sz="1000" dirty="0" smtClean="0">
+                  <a:rPr lang="ko-KR" altLang="en-US" sz="1000" dirty="0" smtClean="0">
                     <a:solidFill>
                       <a:schemeClr val="bg1"/>
                     </a:solidFill>
                   </a:rPr>
-                  <a:t>名前</a:t>
+                  <a:t>이름</a:t>
                 </a:r>
                 <a:endParaRPr lang="ja-JP" altLang="en-US" sz="1000" dirty="0">
                   <a:solidFill>
@@ -25283,7 +25295,7 @@
             <p:spPr bwMode="auto">
               <a:xfrm>
                 <a:off x="5513085" y="2935256"/>
-                <a:ext cx="235485" cy="187253"/>
+                <a:ext cx="230756" cy="181579"/>
               </a:xfrm>
               <a:prstGeom prst="rect">
                 <a:avLst/>
@@ -25303,12 +25315,12 @@
               <a:lstStyle/>
               <a:p>
                 <a:r>
-                  <a:rPr lang="ja-JP" altLang="en-US" sz="1000" dirty="0" smtClean="0">
+                  <a:rPr lang="ko-KR" altLang="en-US" sz="1000" dirty="0" smtClean="0">
                     <a:solidFill>
                       <a:schemeClr val="bg1"/>
                     </a:solidFill>
                   </a:rPr>
-                  <a:t>値</a:t>
+                  <a:t>값</a:t>
                 </a:r>
                 <a:endParaRPr lang="ja-JP" altLang="en-US" sz="1000" dirty="0">
                   <a:solidFill>
@@ -25415,7 +25427,7 @@
         <p:spPr>
           <a:xfrm>
             <a:off x="4932040" y="2708920"/>
-            <a:ext cx="2502608" cy="338554"/>
+            <a:ext cx="2496196" cy="338554"/>
           </a:xfrm>
           <a:prstGeom prst="rect">
             <a:avLst/>
@@ -25434,12 +25446,8 @@
           <a:lstStyle/>
           <a:p>
             <a:r>
-              <a:rPr lang="ja-JP" altLang="en-US" sz="1600" dirty="0" smtClean="0"/>
-              <a:t>パラメータ</a:t>
-            </a:r>
-            <a:r>
-              <a:rPr kumimoji="1" lang="ja-JP" altLang="en-US" sz="1600" dirty="0" smtClean="0"/>
-              <a:t>変数</a:t>
+              <a:rPr lang="ko-KR" altLang="en-US" sz="1600" dirty="0" smtClean="0"/>
+              <a:t>파라메터 변수</a:t>
             </a:r>
             <a:r>
               <a:rPr kumimoji="1" lang="en-US" altLang="ja-JP" sz="1600" dirty="0" smtClean="0"/>
@@ -26088,8 +26096,8 @@
         </p:nvSpPr>
         <p:spPr>
           <a:xfrm>
-            <a:off x="323528" y="1038972"/>
-            <a:ext cx="2266967" cy="338554"/>
+            <a:off x="472187" y="1038972"/>
+            <a:ext cx="1723549" cy="338554"/>
           </a:xfrm>
           <a:prstGeom prst="rect">
             <a:avLst/>
@@ -26103,8 +26111,16 @@
           <a:lstStyle/>
           <a:p>
             <a:r>
+              <a:rPr lang="ko-KR" altLang="en-US" sz="1600" dirty="0" smtClean="0"/>
+              <a:t>툴</a:t>
+            </a:r>
+            <a:r>
               <a:rPr lang="ja-JP" altLang="en-US" sz="1600" dirty="0" smtClean="0"/>
-              <a:t>ツール・アプリケーション</a:t>
+              <a:t>・</a:t>
+            </a:r>
+            <a:r>
+              <a:rPr lang="ko-KR" altLang="en-US" sz="1600" dirty="0" smtClean="0"/>
+              <a:t>어플리케이션</a:t>
             </a:r>
             <a:endParaRPr kumimoji="1" lang="ja-JP" altLang="en-US" sz="1600" dirty="0"/>
           </a:p>
@@ -26159,12 +26175,12 @@
           <a:p>
             <a:pPr algn="ctr"/>
             <a:r>
-              <a:rPr lang="ja-JP" altLang="en-US" sz="1200" dirty="0" smtClean="0">
+              <a:rPr lang="ko-KR" altLang="en-US" sz="1200" dirty="0" smtClean="0">
                 <a:solidFill>
                   <a:schemeClr val="bg1"/>
                 </a:solidFill>
               </a:rPr>
-              <a:t>アクティブ</a:t>
+              <a:t>액티브</a:t>
             </a:r>
             <a:endParaRPr lang="en-US" altLang="ja-JP" sz="1200" dirty="0" smtClean="0">
               <a:solidFill>
@@ -26175,12 +26191,12 @@
           <a:p>
             <a:pPr algn="ctr"/>
             <a:r>
-              <a:rPr lang="ja-JP" altLang="en-US" sz="1200" dirty="0" smtClean="0">
+              <a:rPr lang="ko-KR" altLang="en-US" sz="1200" dirty="0" smtClean="0">
                 <a:solidFill>
                   <a:schemeClr val="bg1"/>
                 </a:solidFill>
               </a:rPr>
-              <a:t>コンフィギュレーション</a:t>
+              <a:t>컨피그레이션</a:t>
             </a:r>
             <a:endParaRPr lang="en-US" altLang="ja-JP" sz="1200" dirty="0" smtClean="0">
               <a:solidFill>
@@ -26191,13 +26207,18 @@
           <a:p>
             <a:pPr algn="ctr"/>
             <a:r>
-              <a:rPr lang="ja-JP" altLang="en-US" sz="1200" dirty="0" smtClean="0">
+              <a:rPr lang="ko-KR" altLang="en-US" sz="1200" dirty="0" smtClean="0">
                 <a:solidFill>
                   <a:schemeClr val="bg1"/>
                 </a:solidFill>
               </a:rPr>
-              <a:t>セット</a:t>
+              <a:t>세트</a:t>
             </a:r>
+            <a:endParaRPr lang="ja-JP" altLang="en-US" sz="1200" dirty="0" smtClean="0">
+              <a:solidFill>
+                <a:schemeClr val="bg1"/>
+              </a:solidFill>
+            </a:endParaRPr>
           </a:p>
         </p:txBody>
       </p:sp>
@@ -26209,8 +26230,8 @@
         </p:nvSpPr>
         <p:spPr>
           <a:xfrm>
-            <a:off x="2555776" y="2060848"/>
-            <a:ext cx="1965603" cy="523220"/>
+            <a:off x="2633410" y="2060848"/>
+            <a:ext cx="1790875" cy="523220"/>
           </a:xfrm>
           <a:prstGeom prst="rect">
             <a:avLst/>
@@ -26225,14 +26246,22 @@
           <a:p>
             <a:r>
               <a:rPr kumimoji="1" lang="ja-JP" altLang="en-US" sz="1400" dirty="0" smtClean="0"/>
-              <a:t>・アクティブセットの変更</a:t>
+              <a:t>・</a:t>
+            </a:r>
+            <a:r>
+              <a:rPr kumimoji="1" lang="ko-KR" altLang="en-US" sz="1400" dirty="0" smtClean="0"/>
+              <a:t>액티브 세트의 변경</a:t>
             </a:r>
             <a:endParaRPr kumimoji="1" lang="en-US" altLang="ja-JP" sz="1400" dirty="0" smtClean="0"/>
           </a:p>
           <a:p>
             <a:r>
               <a:rPr lang="ja-JP" altLang="en-US" sz="1400" dirty="0" smtClean="0"/>
-              <a:t>・パラメータ値の変更</a:t>
+              <a:t>・</a:t>
+            </a:r>
+            <a:r>
+              <a:rPr lang="ko-KR" altLang="en-US" sz="1400" dirty="0" smtClean="0"/>
+              <a:t>파라메터 값의 변경</a:t>
             </a:r>
             <a:endParaRPr kumimoji="1" lang="ja-JP" altLang="en-US" sz="1400" dirty="0"/>
           </a:p>
@@ -26247,7 +26276,7 @@
         <p:spPr>
           <a:xfrm>
             <a:off x="4644008" y="692696"/>
-            <a:ext cx="1420582" cy="338554"/>
+            <a:ext cx="1005403" cy="338554"/>
           </a:xfrm>
           <a:prstGeom prst="rect">
             <a:avLst/>
@@ -26261,8 +26290,8 @@
           <a:lstStyle/>
           <a:p>
             <a:r>
-              <a:rPr lang="ja-JP" altLang="en-US" sz="1600" dirty="0" smtClean="0"/>
-              <a:t>コンポーネント</a:t>
+              <a:rPr lang="ko-KR" altLang="en-US" sz="1600" dirty="0" smtClean="0"/>
+              <a:t>컴포넌트</a:t>
             </a:r>
             <a:endParaRPr kumimoji="1" lang="ja-JP" altLang="en-US" sz="1600" dirty="0"/>
           </a:p>
@@ -26277,7 +26306,7 @@
         <p:spPr>
           <a:xfrm>
             <a:off x="346545" y="4293096"/>
-            <a:ext cx="4009431" cy="584775"/>
+            <a:ext cx="3868367" cy="584775"/>
           </a:xfrm>
           <a:prstGeom prst="rect">
             <a:avLst/>
@@ -26291,15 +26320,27 @@
           <a:lstStyle/>
           <a:p>
             <a:r>
+              <a:rPr kumimoji="1" lang="ko-KR" altLang="en-US" sz="1600" dirty="0" smtClean="0"/>
+              <a:t>툴</a:t>
+            </a:r>
+            <a:r>
               <a:rPr kumimoji="1" lang="ja-JP" altLang="en-US" sz="1600" dirty="0" smtClean="0"/>
-              <a:t>ツール・アプリケーションから、コンポーネント</a:t>
+              <a:t>・</a:t>
+            </a:r>
+            <a:r>
+              <a:rPr kumimoji="1" lang="ko-KR" altLang="en-US" sz="1600" dirty="0" smtClean="0"/>
+              <a:t>어플리케이션에서 컴포넌트 내부에서</a:t>
             </a:r>
             <a:endParaRPr kumimoji="1" lang="en-US" altLang="ja-JP" sz="1600" dirty="0" smtClean="0"/>
           </a:p>
           <a:p>
             <a:r>
-              <a:rPr lang="ja-JP" altLang="en-US" sz="1600" dirty="0" smtClean="0"/>
-              <a:t>内部で使用する変数の値を変更できる。</a:t>
+              <a:rPr lang="ko-KR" altLang="en-US" sz="1600" dirty="0" smtClean="0"/>
+              <a:t>사용하는 변수의 값을 변경할 수 있다</a:t>
+            </a:r>
+            <a:r>
+              <a:rPr lang="en-US" altLang="ko-KR" sz="1600" dirty="0" smtClean="0"/>
+              <a:t>.</a:t>
             </a:r>
             <a:endParaRPr kumimoji="1" lang="ja-JP" altLang="en-US" sz="1600" dirty="0"/>
           </a:p>
@@ -26370,7 +26411,7 @@
         <p:spPr>
           <a:xfrm>
             <a:off x="6176213" y="764704"/>
-            <a:ext cx="2068195" cy="261610"/>
+            <a:ext cx="1627369" cy="261610"/>
           </a:xfrm>
           <a:prstGeom prst="rect">
             <a:avLst/>
@@ -26384,8 +26425,8 @@
           <a:lstStyle/>
           <a:p>
             <a:r>
-              <a:rPr lang="ja-JP" altLang="en-US" sz="1100" dirty="0" smtClean="0"/>
-              <a:t>コンフィギュレーションパラメータ</a:t>
+              <a:rPr lang="ko-KR" altLang="en-US" sz="1100" dirty="0" smtClean="0"/>
+              <a:t>컨피그레이션 파라메터</a:t>
             </a:r>
             <a:endParaRPr kumimoji="1" lang="ja-JP" altLang="en-US" sz="1100" dirty="0"/>
           </a:p>
